--- a/thesisimages/analysisofvariantcallers.pptx
+++ b/thesisimages/analysisofvariantcallers.pptx
@@ -104,6 +104,11 @@
       </a:defRPr>
     </a:lvl9pPr>
   </p:defaultTextStyle>
+  <p:extLst>
+    <p:ext uri="{EFAFB233-063F-42B5-8137-9DF3F51BA10A}">
+      <p15:sldGuideLst xmlns:p15="http://schemas.microsoft.com/office/powerpoint/2012/main"/>
+    </p:ext>
+  </p:extLst>
 </p:presentation>
 </file>
 
@@ -2973,14 +2978,14 @@
           <p:nvPr>
             <p:extLst>
               <p:ext uri="{D42A27DB-BD31-4B8C-83A1-F6EECF244321}">
-                <p14:modId xmlns:p14="http://schemas.microsoft.com/office/powerpoint/2010/main" val="347507901"/>
+                <p14:modId xmlns:p14="http://schemas.microsoft.com/office/powerpoint/2010/main" val="3399299789"/>
               </p:ext>
             </p:extLst>
           </p:nvPr>
         </p:nvGraphicFramePr>
         <p:xfrm>
-          <a:off x="585968" y="1040573"/>
-          <a:ext cx="11050933" cy="4927947"/>
+          <a:off x="585968" y="790407"/>
+          <a:ext cx="11413376" cy="5976000"/>
         </p:xfrm>
         <a:graphic>
           <a:graphicData uri="http://schemas.openxmlformats.org/drawingml/2006/table">
@@ -2989,42 +2994,42 @@
                 <a:tableStyleId>{2D5ABB26-0587-4C30-8999-92F81FD0307C}</a:tableStyleId>
               </a:tblPr>
               <a:tblGrid>
-                <a:gridCol w="1841822">
+                <a:gridCol w="1114546">
                   <a:extLst>
                     <a:ext uri="{9D8B030D-6E8A-4147-A177-3AD203B41FA5}">
                       <a16:colId xmlns:a16="http://schemas.microsoft.com/office/drawing/2014/main" val="393467556"/>
                     </a:ext>
                   </a:extLst>
                 </a:gridCol>
-                <a:gridCol w="1592748">
+                <a:gridCol w="1629282">
                   <a:extLst>
                     <a:ext uri="{9D8B030D-6E8A-4147-A177-3AD203B41FA5}">
                       <a16:colId xmlns:a16="http://schemas.microsoft.com/office/drawing/2014/main" val="1310416380"/>
                     </a:ext>
                   </a:extLst>
                 </a:gridCol>
-                <a:gridCol w="2242868">
+                <a:gridCol w="1949570">
+                  <a:extLst>
+                    <a:ext uri="{9D8B030D-6E8A-4147-A177-3AD203B41FA5}">
+                      <a16:colId xmlns:a16="http://schemas.microsoft.com/office/drawing/2014/main" val="3627817148"/>
+                    </a:ext>
+                  </a:extLst>
+                </a:gridCol>
+                <a:gridCol w="2009955">
                   <a:extLst>
                     <a:ext uri="{9D8B030D-6E8A-4147-A177-3AD203B41FA5}">
                       <a16:colId xmlns:a16="http://schemas.microsoft.com/office/drawing/2014/main" val="2117883362"/>
                     </a:ext>
                   </a:extLst>
                 </a:gridCol>
-                <a:gridCol w="1742891">
+                <a:gridCol w="2147977">
                   <a:extLst>
                     <a:ext uri="{9D8B030D-6E8A-4147-A177-3AD203B41FA5}">
                       <a16:colId xmlns:a16="http://schemas.microsoft.com/office/drawing/2014/main" val="1982329681"/>
                     </a:ext>
                   </a:extLst>
                 </a:gridCol>
-                <a:gridCol w="1788782">
-                  <a:extLst>
-                    <a:ext uri="{9D8B030D-6E8A-4147-A177-3AD203B41FA5}">
-                      <a16:colId xmlns:a16="http://schemas.microsoft.com/office/drawing/2014/main" val="3970913075"/>
-                    </a:ext>
-                  </a:extLst>
-                </a:gridCol>
-                <a:gridCol w="1841822">
+                <a:gridCol w="2562046">
                   <a:extLst>
                     <a:ext uri="{9D8B030D-6E8A-4147-A177-3AD203B41FA5}">
                       <a16:colId xmlns:a16="http://schemas.microsoft.com/office/drawing/2014/main" val="3641436973"/>
@@ -3032,14 +3037,14 @@
                   </a:extLst>
                 </a:gridCol>
               </a:tblGrid>
-              <a:tr h="611610">
+              <a:tr h="862846">
                 <a:tc>
                   <a:txBody>
                     <a:bodyPr/>
                     <a:lstStyle/>
                     <a:p>
-                      <a:pPr algn="ctr"/>
-                      <a:endParaRPr lang="en-SG" sz="1400" b="1" dirty="0">
+                      <a:pPr algn="l"/>
+                      <a:endParaRPr lang="en-SG" sz="1600" b="1" dirty="0">
                         <a:latin typeface="LM Sans 10" panose="00000500000000000000" pitchFamily="50" charset="0"/>
                         <a:ea typeface="CMU Bright" panose="02000603000000000000" pitchFamily="50" charset="0"/>
                         <a:cs typeface="CMU Bright" panose="02000603000000000000" pitchFamily="50" charset="0"/>
@@ -3099,7 +3104,7 @@
                     <a:p>
                       <a:pPr algn="ctr"/>
                       <a:r>
-                        <a:rPr lang="en-SG" sz="1400" b="1" dirty="0">
+                        <a:rPr lang="en-SG" sz="1600" b="1" dirty="0">
                           <a:latin typeface="LM Sans 10" panose="00000500000000000000" pitchFamily="50" charset="0"/>
                           <a:ea typeface="CMU Bright" panose="02000603000000000000" pitchFamily="50" charset="0"/>
                           <a:cs typeface="CMU Bright" panose="02000603000000000000" pitchFamily="50" charset="0"/>
@@ -3161,12 +3166,12 @@
                     <a:p>
                       <a:pPr algn="ctr"/>
                       <a:r>
-                        <a:rPr lang="en-SG" sz="1400" b="1" dirty="0">
+                        <a:rPr lang="en-SG" sz="1600" b="1" dirty="0">
                           <a:latin typeface="LM Sans 10" panose="00000500000000000000" pitchFamily="50" charset="0"/>
                           <a:ea typeface="CMU Bright" panose="02000603000000000000" pitchFamily="50" charset="0"/>
                           <a:cs typeface="CMU Bright" panose="02000603000000000000" pitchFamily="50" charset="0"/>
                         </a:rPr>
-                        <a:t>GATK Haplotype Caller</a:t>
+                        <a:t>Samtools</a:t>
                       </a:r>
                     </a:p>
                   </a:txBody>
@@ -3223,12 +3228,12 @@
                     <a:p>
                       <a:pPr algn="ctr"/>
                       <a:r>
-                        <a:rPr lang="en-SG" sz="1400" b="1" dirty="0">
+                        <a:rPr lang="en-SG" sz="1600" b="1" dirty="0">
                           <a:latin typeface="LM Sans 10" panose="00000500000000000000" pitchFamily="50" charset="0"/>
                           <a:ea typeface="CMU Bright" panose="02000603000000000000" pitchFamily="50" charset="0"/>
                           <a:cs typeface="CMU Bright" panose="02000603000000000000" pitchFamily="50" charset="0"/>
                         </a:rPr>
-                        <a:t>Free Bayes</a:t>
+                        <a:t>GATK Haplotype Caller</a:t>
                       </a:r>
                     </a:p>
                   </a:txBody>
@@ -3285,12 +3290,12 @@
                     <a:p>
                       <a:pPr algn="ctr"/>
                       <a:r>
-                        <a:rPr lang="en-SG" sz="1400" b="1" dirty="0">
+                        <a:rPr lang="en-SG" sz="1600" b="1" dirty="0">
                           <a:latin typeface="LM Sans 10" panose="00000500000000000000" pitchFamily="50" charset="0"/>
                           <a:ea typeface="CMU Bright" panose="02000603000000000000" pitchFamily="50" charset="0"/>
                           <a:cs typeface="CMU Bright" panose="02000603000000000000" pitchFamily="50" charset="0"/>
                         </a:rPr>
-                        <a:t>Samtools</a:t>
+                        <a:t>Free Bayes</a:t>
                       </a:r>
                     </a:p>
                   </a:txBody>
@@ -3347,7 +3352,7 @@
                     <a:p>
                       <a:pPr algn="ctr"/>
                       <a:r>
-                        <a:rPr lang="en-SG" sz="1400" b="1" dirty="0">
+                        <a:rPr lang="en-SG" sz="1600" b="1" dirty="0">
                           <a:latin typeface="LM Sans 10" panose="00000500000000000000" pitchFamily="50" charset="0"/>
                           <a:ea typeface="CMU Bright" panose="02000603000000000000" pitchFamily="50" charset="0"/>
                           <a:cs typeface="CMU Bright" panose="02000603000000000000" pitchFamily="50" charset="0"/>
@@ -3408,7 +3413,7 @@
                   </a:ext>
                 </a:extLst>
               </a:tr>
-              <a:tr h="1226697">
+              <a:tr h="2780280">
                 <a:tc>
                   <a:txBody>
                     <a:bodyPr/>
@@ -3416,7 +3421,7 @@
                     <a:p>
                       <a:pPr algn="l"/>
                       <a:r>
-                        <a:rPr lang="en-SG" sz="1200" b="1" kern="1200" dirty="0">
+                        <a:rPr lang="en-SG" sz="1400" b="1" kern="1200" dirty="0">
                           <a:solidFill>
                             <a:schemeClr val="tx1"/>
                           </a:solidFill>
@@ -3428,7 +3433,7 @@
                       </a:r>
                     </a:p>
                   </a:txBody>
-                  <a:tcPr anchor="ctr">
+                  <a:tcPr>
                     <a:lnL w="12700" cap="flat" cmpd="sng" algn="ctr">
                       <a:noFill/>
                       <a:prstDash val="solid"/>
@@ -3474,9 +3479,12 @@
                     <a:bodyPr/>
                     <a:lstStyle/>
                     <a:p>
-                      <a:pPr algn="l"/>
+                      <a:pPr marL="0" indent="0" algn="l">
+                        <a:buFont typeface="Arial" panose="020B0604020202020204" pitchFamily="34" charset="0"/>
+                        <a:buNone/>
+                      </a:pPr>
                       <a:r>
-                        <a:rPr lang="en-SG" sz="1200" kern="1200" dirty="0">
+                        <a:rPr lang="en-SG" sz="1400" kern="1200" dirty="0">
                           <a:solidFill>
                             <a:schemeClr val="tx1"/>
                           </a:solidFill>
@@ -3488,7 +3496,83 @@
                       </a:r>
                     </a:p>
                   </a:txBody>
-                  <a:tcPr anchor="ctr">
+                  <a:tcPr>
+                    <a:lnL w="12700" cap="flat" cmpd="sng" algn="ctr">
+                      <a:noFill/>
+                      <a:prstDash val="solid"/>
+                      <a:round/>
+                      <a:headEnd type="none" w="med" len="med"/>
+                      <a:tailEnd type="none" w="med" len="med"/>
+                    </a:lnL>
+                    <a:lnR w="12700" cap="flat" cmpd="sng" algn="ctr">
+                      <a:noFill/>
+                      <a:prstDash val="solid"/>
+                      <a:round/>
+                      <a:headEnd type="none" w="med" len="med"/>
+                      <a:tailEnd type="none" w="med" len="med"/>
+                    </a:lnR>
+                    <a:lnT w="12700" cap="flat" cmpd="sng" algn="ctr">
+                      <a:solidFill>
+                        <a:schemeClr val="tx1"/>
+                      </a:solidFill>
+                      <a:prstDash val="solid"/>
+                      <a:round/>
+                      <a:headEnd type="none" w="med" len="med"/>
+                      <a:tailEnd type="none" w="med" len="med"/>
+                    </a:lnT>
+                    <a:lnB w="12700" cap="flat" cmpd="sng" algn="ctr">
+                      <a:noFill/>
+                      <a:prstDash val="solid"/>
+                      <a:round/>
+                      <a:headEnd type="none" w="med" len="med"/>
+                      <a:tailEnd type="none" w="med" len="med"/>
+                    </a:lnB>
+                    <a:lnTlToBr w="12700" cmpd="sng">
+                      <a:noFill/>
+                      <a:prstDash val="solid"/>
+                    </a:lnTlToBr>
+                    <a:lnBlToTr w="12700" cmpd="sng">
+                      <a:noFill/>
+                      <a:prstDash val="solid"/>
+                    </a:lnBlToTr>
+                  </a:tcPr>
+                </a:tc>
+                <a:tc>
+                  <a:txBody>
+                    <a:bodyPr/>
+                    <a:lstStyle/>
+                    <a:p>
+                      <a:pPr marL="0" marR="0" lvl="0" indent="0" algn="l" defTabSz="914400" rtl="0" eaLnBrk="1" fontAlgn="auto" latinLnBrk="0" hangingPunct="1">
+                        <a:lnSpc>
+                          <a:spcPct val="100000"/>
+                        </a:lnSpc>
+                        <a:spcBef>
+                          <a:spcPts val="0"/>
+                        </a:spcBef>
+                        <a:spcAft>
+                          <a:spcPts val="0"/>
+                        </a:spcAft>
+                        <a:buClrTx/>
+                        <a:buSzTx/>
+                        <a:buFont typeface="Arial" panose="020B0604020202020204" pitchFamily="34" charset="0"/>
+                        <a:buNone/>
+                        <a:tabLst/>
+                        <a:defRPr/>
+                      </a:pPr>
+                      <a:r>
+                        <a:rPr lang="en-SG" sz="1400" kern="1200" dirty="0">
+                          <a:solidFill>
+                            <a:schemeClr val="tx1"/>
+                          </a:solidFill>
+                          <a:latin typeface="LM Sans 10" panose="00000500000000000000" pitchFamily="50" charset="0"/>
+                          <a:ea typeface="CMU Bright" panose="02000603000000000000" pitchFamily="50" charset="0"/>
+                          <a:cs typeface="CMU Bright" panose="02000603000000000000" pitchFamily="50" charset="0"/>
+                        </a:rPr>
+                        <a:t>Uses a list of mapped reads, calling model is probabilistic. Does not assume sequencing errors are independent and has less hard filters compared to Unified Genotyper</a:t>
+                      </a:r>
+                    </a:p>
+                  </a:txBody>
+                  <a:tcPr>
                     <a:lnL w="12700" cap="flat" cmpd="sng" algn="ctr">
                       <a:noFill/>
                       <a:prstDash val="solid"/>
@@ -3536,7 +3620,7 @@
                     <a:p>
                       <a:pPr algn="l"/>
                       <a:r>
-                        <a:rPr lang="en-SG" sz="1200" kern="1200" dirty="0">
+                        <a:rPr lang="en-SG" sz="1400" kern="1200" dirty="0">
                           <a:solidFill>
                             <a:schemeClr val="tx1"/>
                           </a:solidFill>
@@ -3548,7 +3632,7 @@
                       </a:r>
                     </a:p>
                   </a:txBody>
-                  <a:tcPr anchor="ctr">
+                  <a:tcPr>
                     <a:lnL w="12700" cap="flat" cmpd="sng" algn="ctr">
                       <a:noFill/>
                       <a:prstDash val="solid"/>
@@ -3596,7 +3680,7 @@
                     <a:p>
                       <a:pPr algn="l"/>
                       <a:r>
-                        <a:rPr lang="en-SG" sz="1200" kern="1200" dirty="0">
+                        <a:rPr lang="en-SG" sz="1400" kern="1200" dirty="0">
                           <a:solidFill>
                             <a:schemeClr val="tx1"/>
                           </a:solidFill>
@@ -3604,11 +3688,11 @@
                           <a:ea typeface="CMU Bright" panose="02000603000000000000" pitchFamily="50" charset="0"/>
                           <a:cs typeface="CMU Bright" panose="02000603000000000000" pitchFamily="50" charset="0"/>
                         </a:rPr>
-                        <a:t>Uses haplotypes to represent mutations, calling model is probabilistic with population based priors</a:t>
+                        <a:t>Uses a posteriori probability model to build a set of haplotypes to represent mutations, calling model is probabilistic with population based priors</a:t>
                       </a:r>
                     </a:p>
                   </a:txBody>
-                  <a:tcPr anchor="ctr">
+                  <a:tcPr>
                     <a:lnL w="12700" cap="flat" cmpd="sng" algn="ctr">
                       <a:noFill/>
                       <a:prstDash val="solid"/>
@@ -3656,7 +3740,7 @@
                     <a:p>
                       <a:pPr algn="l"/>
                       <a:r>
-                        <a:rPr lang="en-SG" sz="1200" kern="1200" dirty="0">
+                        <a:rPr lang="en-SG" sz="1400" kern="1200" dirty="0">
                           <a:solidFill>
                             <a:schemeClr val="tx1"/>
                           </a:solidFill>
@@ -3664,59 +3748,10 @@
                           <a:ea typeface="CMU Bright" panose="02000603000000000000" pitchFamily="50" charset="0"/>
                           <a:cs typeface="CMU Bright" panose="02000603000000000000" pitchFamily="50" charset="0"/>
                         </a:rPr>
-                        <a:t>Uses a list of mapped reads, calling model is probabilistic model with increased priors at regions with known SNPs</a:t>
+                        <a:t>Locates regions which were mapped with indels or only one end was mapped, and then performs a pattern growth to find inserts and deletions. </a:t>
                       </a:r>
-                    </a:p>
-                  </a:txBody>
-                  <a:tcPr anchor="ctr">
-                    <a:lnL w="12700" cap="flat" cmpd="sng" algn="ctr">
-                      <a:noFill/>
-                      <a:prstDash val="solid"/>
-                      <a:round/>
-                      <a:headEnd type="none" w="med" len="med"/>
-                      <a:tailEnd type="none" w="med" len="med"/>
-                    </a:lnL>
-                    <a:lnR w="12700" cap="flat" cmpd="sng" algn="ctr">
-                      <a:noFill/>
-                      <a:prstDash val="solid"/>
-                      <a:round/>
-                      <a:headEnd type="none" w="med" len="med"/>
-                      <a:tailEnd type="none" w="med" len="med"/>
-                    </a:lnR>
-                    <a:lnT w="12700" cap="flat" cmpd="sng" algn="ctr">
-                      <a:solidFill>
-                        <a:schemeClr val="tx1"/>
-                      </a:solidFill>
-                      <a:prstDash val="solid"/>
-                      <a:round/>
-                      <a:headEnd type="none" w="med" len="med"/>
-                      <a:tailEnd type="none" w="med" len="med"/>
-                    </a:lnT>
-                    <a:lnB w="12700" cap="flat" cmpd="sng" algn="ctr">
-                      <a:noFill/>
-                      <a:prstDash val="solid"/>
-                      <a:round/>
-                      <a:headEnd type="none" w="med" len="med"/>
-                      <a:tailEnd type="none" w="med" len="med"/>
-                    </a:lnB>
-                    <a:lnTlToBr w="12700" cmpd="sng">
-                      <a:noFill/>
-                      <a:prstDash val="solid"/>
-                    </a:lnTlToBr>
-                    <a:lnBlToTr w="12700" cmpd="sng">
-                      <a:noFill/>
-                      <a:prstDash val="solid"/>
-                    </a:lnBlToTr>
-                  </a:tcPr>
-                </a:tc>
-                <a:tc>
-                  <a:txBody>
-                    <a:bodyPr/>
-                    <a:lstStyle/>
-                    <a:p>
-                      <a:pPr algn="l"/>
                       <a:r>
-                        <a:rPr lang="en-SG" sz="1200" kern="1200" dirty="0">
+                        <a:rPr lang="en-SG" sz="1400" kern="1200" dirty="0">
                           <a:solidFill>
                             <a:schemeClr val="tx1"/>
                           </a:solidFill>
@@ -3724,11 +3759,19 @@
                           <a:ea typeface="CMU Bright" panose="02000603000000000000" pitchFamily="50" charset="0"/>
                           <a:cs typeface="CMU Bright" panose="02000603000000000000" pitchFamily="50" charset="0"/>
                         </a:rPr>
-                        <a:t>Locates regions which were mapped with indels or only one end was mapped, and then performs a pattern growth to find inserts and deletions.</a:t>
+                        <a:t>Shown to be able to identify medium length indels missed by other callers in real samples (Spencer et al., 2013)</a:t>
                       </a:r>
+                      <a:endParaRPr lang="en-SG" sz="1400" kern="1200" dirty="0">
+                        <a:solidFill>
+                          <a:schemeClr val="tx1"/>
+                        </a:solidFill>
+                        <a:latin typeface="LM Sans 10" panose="00000500000000000000" pitchFamily="50" charset="0"/>
+                        <a:ea typeface="CMU Bright" panose="02000603000000000000" pitchFamily="50" charset="0"/>
+                        <a:cs typeface="CMU Bright" panose="02000603000000000000" pitchFamily="50" charset="0"/>
+                      </a:endParaRPr>
                     </a:p>
                   </a:txBody>
-                  <a:tcPr anchor="ctr">
+                  <a:tcPr>
                     <a:lnL w="12700" cap="flat" cmpd="sng" algn="ctr">
                       <a:noFill/>
                       <a:prstDash val="solid"/>
@@ -3775,7 +3818,7 @@
                   </a:ext>
                 </a:extLst>
               </a:tr>
-              <a:tr h="1390257">
+              <a:tr h="2332874">
                 <a:tc>
                   <a:txBody>
                     <a:bodyPr/>
@@ -3783,7 +3826,7 @@
                     <a:p>
                       <a:pPr algn="l"/>
                       <a:r>
-                        <a:rPr lang="en-SG" sz="1200" b="1" kern="1200" dirty="0">
+                        <a:rPr lang="en-SG" sz="1400" b="1" kern="1200" dirty="0">
                           <a:solidFill>
                             <a:schemeClr val="tx1"/>
                           </a:solidFill>
@@ -3795,7 +3838,7 @@
                       </a:r>
                     </a:p>
                   </a:txBody>
-                  <a:tcPr anchor="ctr">
+                  <a:tcPr>
                     <a:lnL w="12700" cap="flat" cmpd="sng" algn="ctr">
                       <a:noFill/>
                       <a:prstDash val="solid"/>
@@ -3818,7 +3861,9 @@
                       <a:tailEnd type="none" w="med" len="med"/>
                     </a:lnT>
                     <a:lnB w="12700" cap="flat" cmpd="sng" algn="ctr">
-                      <a:noFill/>
+                      <a:solidFill>
+                        <a:schemeClr val="tx1"/>
+                      </a:solidFill>
                       <a:prstDash val="solid"/>
                       <a:round/>
                       <a:headEnd type="none" w="med" len="med"/>
@@ -3841,7 +3886,7 @@
                     <a:p>
                       <a:pPr algn="l"/>
                       <a:r>
-                        <a:rPr lang="en-SG" sz="1200" kern="1200" dirty="0">
+                        <a:rPr lang="en-SG" sz="1400" kern="1200" dirty="0">
                           <a:solidFill>
                             <a:schemeClr val="tx1"/>
                           </a:solidFill>
@@ -3853,7 +3898,7 @@
                       </a:r>
                     </a:p>
                   </a:txBody>
-                  <a:tcPr anchor="ctr">
+                  <a:tcPr>
                     <a:lnL w="12700" cap="flat" cmpd="sng" algn="ctr">
                       <a:noFill/>
                       <a:prstDash val="solid"/>
@@ -3876,7 +3921,9 @@
                       <a:tailEnd type="none" w="med" len="med"/>
                     </a:lnT>
                     <a:lnB w="12700" cap="flat" cmpd="sng" algn="ctr">
-                      <a:noFill/>
+                      <a:solidFill>
+                        <a:schemeClr val="tx1"/>
+                      </a:solidFill>
                       <a:prstDash val="solid"/>
                       <a:round/>
                       <a:headEnd type="none" w="med" len="med"/>
@@ -3899,7 +3946,7 @@
                     <a:p>
                       <a:pPr algn="l"/>
                       <a:r>
-                        <a:rPr lang="en-SG" sz="1200" kern="1200" dirty="0">
+                        <a:rPr lang="en-SG" sz="1400" kern="1200" dirty="0">
                           <a:solidFill>
                             <a:schemeClr val="tx1"/>
                           </a:solidFill>
@@ -3907,11 +3954,11 @@
                           <a:ea typeface="CMU Bright" panose="02000603000000000000" pitchFamily="50" charset="0"/>
                           <a:cs typeface="CMU Bright" panose="02000603000000000000" pitchFamily="50" charset="0"/>
                         </a:rPr>
-                        <a:t>Only analyses regions where there is high likelihood of mutation based on activity score, and builds a De Bruijn-like graph that reassembles reads in that region (Haplotypes)</a:t>
+                        <a:t>Position based caller that uses mapped sequences to call SNPs and indels. </a:t>
                       </a:r>
                     </a:p>
                   </a:txBody>
-                  <a:tcPr anchor="ctr">
+                  <a:tcPr>
                     <a:lnL w="12700" cap="flat" cmpd="sng" algn="ctr">
                       <a:noFill/>
                       <a:prstDash val="solid"/>
@@ -3934,7 +3981,9 @@
                       <a:tailEnd type="none" w="med" len="med"/>
                     </a:lnT>
                     <a:lnB w="12700" cap="flat" cmpd="sng" algn="ctr">
-                      <a:noFill/>
+                      <a:solidFill>
+                        <a:schemeClr val="tx1"/>
+                      </a:solidFill>
                       <a:prstDash val="solid"/>
                       <a:round/>
                       <a:headEnd type="none" w="med" len="med"/>
@@ -3957,7 +4006,7 @@
                     <a:p>
                       <a:pPr algn="l"/>
                       <a:r>
-                        <a:rPr lang="en-SG" sz="1200" kern="1200" dirty="0">
+                        <a:rPr lang="en-SG" sz="1400" kern="1200" dirty="0">
                           <a:solidFill>
                             <a:schemeClr val="tx1"/>
                           </a:solidFill>
@@ -3965,11 +4014,11 @@
                           <a:ea typeface="CMU Bright" panose="02000603000000000000" pitchFamily="50" charset="0"/>
                           <a:cs typeface="CMU Bright" panose="02000603000000000000" pitchFamily="50" charset="0"/>
                         </a:rPr>
-                        <a:t>Sliding window based caller, using reference matches instead of position</a:t>
+                        <a:t>Analyses regions where there is high likelihood of mutation based on activity score, and builds a De Bruijn-like graph that reassembles reads (Haplotypes) in that region </a:t>
                       </a:r>
                     </a:p>
                   </a:txBody>
-                  <a:tcPr anchor="ctr">
+                  <a:tcPr>
                     <a:lnL w="12700" cap="flat" cmpd="sng" algn="ctr">
                       <a:noFill/>
                       <a:prstDash val="solid"/>
@@ -3992,7 +4041,107 @@
                       <a:tailEnd type="none" w="med" len="med"/>
                     </a:lnT>
                     <a:lnB w="12700" cap="flat" cmpd="sng" algn="ctr">
-                      <a:noFill/>
+                      <a:solidFill>
+                        <a:schemeClr val="tx1"/>
+                      </a:solidFill>
+                      <a:prstDash val="solid"/>
+                      <a:round/>
+                      <a:headEnd type="none" w="med" len="med"/>
+                      <a:tailEnd type="none" w="med" len="med"/>
+                    </a:lnB>
+                    <a:lnTlToBr w="12700" cmpd="sng">
+                      <a:noFill/>
+                      <a:prstDash val="solid"/>
+                    </a:lnTlToBr>
+                    <a:lnBlToTr w="12700" cmpd="sng">
+                      <a:noFill/>
+                      <a:prstDash val="solid"/>
+                    </a:lnBlToTr>
+                  </a:tcPr>
+                </a:tc>
+                <a:tc>
+                  <a:txBody>
+                    <a:bodyPr/>
+                    <a:lstStyle/>
+                    <a:p>
+                      <a:pPr marL="0" marR="0" lvl="0" indent="0" algn="l" defTabSz="914400" rtl="0" eaLnBrk="1" fontAlgn="auto" latinLnBrk="0" hangingPunct="1">
+                        <a:lnSpc>
+                          <a:spcPct val="100000"/>
+                        </a:lnSpc>
+                        <a:spcBef>
+                          <a:spcPts val="0"/>
+                        </a:spcBef>
+                        <a:spcAft>
+                          <a:spcPts val="0"/>
+                        </a:spcAft>
+                        <a:buClrTx/>
+                        <a:buSzTx/>
+                        <a:buFontTx/>
+                        <a:buNone/>
+                        <a:tabLst/>
+                        <a:defRPr/>
+                      </a:pPr>
+                      <a:r>
+                        <a:rPr lang="en-SG" sz="1400" kern="1200" dirty="0">
+                          <a:solidFill>
+                            <a:schemeClr val="tx1"/>
+                          </a:solidFill>
+                          <a:latin typeface="LM Sans 10" panose="00000500000000000000" pitchFamily="50" charset="0"/>
+                          <a:ea typeface="CMU Bright" panose="02000603000000000000" pitchFamily="50" charset="0"/>
+                          <a:cs typeface="CMU Bright" panose="02000603000000000000" pitchFamily="50" charset="0"/>
+                        </a:rPr>
+                        <a:t>Dynamic sliding window based reference frame, using algorithms to determine window size for analysis. </a:t>
+                      </a:r>
+                      <a:r>
+                        <a:rPr lang="en-SG" sz="1400" kern="1200" dirty="0">
+                          <a:solidFill>
+                            <a:schemeClr val="tx1"/>
+                          </a:solidFill>
+                          <a:latin typeface="LM Sans 10" panose="00000500000000000000" pitchFamily="50" charset="0"/>
+                          <a:ea typeface="CMU Bright" panose="02000603000000000000" pitchFamily="50" charset="0"/>
+                          <a:cs typeface="CMU Bright" panose="02000603000000000000" pitchFamily="50" charset="0"/>
+                        </a:rPr>
+                        <a:t>Does not require precise alignment, unlike other callers</a:t>
+                      </a:r>
+                    </a:p>
+                    <a:p>
+                      <a:pPr algn="l"/>
+                      <a:endParaRPr lang="en-SG" sz="1400" kern="1200" dirty="0">
+                        <a:solidFill>
+                          <a:schemeClr val="tx1"/>
+                        </a:solidFill>
+                        <a:latin typeface="LM Sans 10" panose="00000500000000000000" pitchFamily="50" charset="0"/>
+                        <a:ea typeface="CMU Bright" panose="02000603000000000000" pitchFamily="50" charset="0"/>
+                        <a:cs typeface="CMU Bright" panose="02000603000000000000" pitchFamily="50" charset="0"/>
+                      </a:endParaRPr>
+                    </a:p>
+                  </a:txBody>
+                  <a:tcPr>
+                    <a:lnL w="12700" cap="flat" cmpd="sng" algn="ctr">
+                      <a:noFill/>
+                      <a:prstDash val="solid"/>
+                      <a:round/>
+                      <a:headEnd type="none" w="med" len="med"/>
+                      <a:tailEnd type="none" w="med" len="med"/>
+                    </a:lnL>
+                    <a:lnR w="12700" cap="flat" cmpd="sng" algn="ctr">
+                      <a:noFill/>
+                      <a:prstDash val="solid"/>
+                      <a:round/>
+                      <a:headEnd type="none" w="med" len="med"/>
+                      <a:tailEnd type="none" w="med" len="med"/>
+                    </a:lnR>
+                    <a:lnT w="12700" cap="flat" cmpd="sng" algn="ctr">
+                      <a:noFill/>
+                      <a:prstDash val="solid"/>
+                      <a:round/>
+                      <a:headEnd type="none" w="med" len="med"/>
+                      <a:tailEnd type="none" w="med" len="med"/>
+                    </a:lnT>
+                    <a:lnB w="12700" cap="flat" cmpd="sng" algn="ctr">
+                      <a:solidFill>
+                        <a:schemeClr val="tx1"/>
+                      </a:solidFill>
                       <a:prstDash val="solid"/>
                       <a:round/>
                       <a:headEnd type="none" w="med" len="med"/>
@@ -4015,65 +4164,7 @@
                     <a:p>
                       <a:pPr algn="l"/>
                       <a:r>
-                        <a:rPr lang="en-SG" sz="1200" kern="1200" dirty="0">
-                          <a:solidFill>
-                            <a:schemeClr val="tx1"/>
-                          </a:solidFill>
-                          <a:latin typeface="LM Sans 10" panose="00000500000000000000" pitchFamily="50" charset="0"/>
-                          <a:ea typeface="CMU Bright" panose="02000603000000000000" pitchFamily="50" charset="0"/>
-                          <a:cs typeface="CMU Bright" panose="02000603000000000000" pitchFamily="50" charset="0"/>
-                        </a:rPr>
-                        <a:t>Position based caller that uses mapped sequences to call SNPs and indels</a:t>
-                      </a:r>
-                    </a:p>
-                  </a:txBody>
-                  <a:tcPr anchor="ctr">
-                    <a:lnL w="12700" cap="flat" cmpd="sng" algn="ctr">
-                      <a:noFill/>
-                      <a:prstDash val="solid"/>
-                      <a:round/>
-                      <a:headEnd type="none" w="med" len="med"/>
-                      <a:tailEnd type="none" w="med" len="med"/>
-                    </a:lnL>
-                    <a:lnR w="12700" cap="flat" cmpd="sng" algn="ctr">
-                      <a:noFill/>
-                      <a:prstDash val="solid"/>
-                      <a:round/>
-                      <a:headEnd type="none" w="med" len="med"/>
-                      <a:tailEnd type="none" w="med" len="med"/>
-                    </a:lnR>
-                    <a:lnT w="12700" cap="flat" cmpd="sng" algn="ctr">
-                      <a:noFill/>
-                      <a:prstDash val="solid"/>
-                      <a:round/>
-                      <a:headEnd type="none" w="med" len="med"/>
-                      <a:tailEnd type="none" w="med" len="med"/>
-                    </a:lnT>
-                    <a:lnB w="12700" cap="flat" cmpd="sng" algn="ctr">
-                      <a:noFill/>
-                      <a:prstDash val="solid"/>
-                      <a:round/>
-                      <a:headEnd type="none" w="med" len="med"/>
-                      <a:tailEnd type="none" w="med" len="med"/>
-                    </a:lnB>
-                    <a:lnTlToBr w="12700" cmpd="sng">
-                      <a:noFill/>
-                      <a:prstDash val="solid"/>
-                    </a:lnTlToBr>
-                    <a:lnBlToTr w="12700" cmpd="sng">
-                      <a:noFill/>
-                      <a:prstDash val="solid"/>
-                    </a:lnBlToTr>
-                  </a:tcPr>
-                </a:tc>
-                <a:tc>
-                  <a:txBody>
-                    <a:bodyPr/>
-                    <a:lstStyle/>
-                    <a:p>
-                      <a:pPr algn="l"/>
-                      <a:r>
-                        <a:rPr lang="en-SG" sz="1200" kern="1200" dirty="0">
+                        <a:rPr lang="en-SG" sz="1400" kern="1200" dirty="0">
                           <a:solidFill>
                             <a:schemeClr val="tx1"/>
                           </a:solidFill>
@@ -4085,7 +4176,7 @@
                       </a:r>
                     </a:p>
                   </a:txBody>
-                  <a:tcPr anchor="ctr">
+                  <a:tcPr>
                     <a:lnL w="12700" cap="flat" cmpd="sng" algn="ctr">
                       <a:noFill/>
                       <a:prstDash val="solid"/>
@@ -4108,7 +4199,9 @@
                       <a:tailEnd type="none" w="med" len="med"/>
                     </a:lnT>
                     <a:lnB w="12700" cap="flat" cmpd="sng" algn="ctr">
-                      <a:noFill/>
+                      <a:solidFill>
+                        <a:schemeClr val="tx1"/>
+                      </a:solidFill>
                       <a:prstDash val="solid"/>
                       <a:round/>
                       <a:headEnd type="none" w="med" len="med"/>
@@ -4127,392 +4220,6 @@
                 <a:extLst>
                   <a:ext uri="{0D108BD9-81ED-4DB2-BD59-A6C34878D82A}">
                     <a16:rowId xmlns:a16="http://schemas.microsoft.com/office/drawing/2014/main" val="3860808258"/>
-                  </a:ext>
-                </a:extLst>
-              </a:tr>
-              <a:tr h="1390257">
-                <a:tc>
-                  <a:txBody>
-                    <a:bodyPr/>
-                    <a:lstStyle/>
-                    <a:p>
-                      <a:pPr algn="l"/>
-                      <a:r>
-                        <a:rPr lang="en-SG" sz="1200" b="1" kern="1200" dirty="0">
-                          <a:solidFill>
-                            <a:schemeClr val="tx1"/>
-                          </a:solidFill>
-                          <a:latin typeface="LM Sans 10" panose="00000500000000000000" pitchFamily="50" charset="0"/>
-                          <a:ea typeface="CMU Bright" panose="02000603000000000000" pitchFamily="50" charset="0"/>
-                          <a:cs typeface="CMU Bright" panose="02000603000000000000" pitchFamily="50" charset="0"/>
-                        </a:rPr>
-                        <a:t> Unique Features</a:t>
-                      </a:r>
-                    </a:p>
-                  </a:txBody>
-                  <a:tcPr anchor="ctr">
-                    <a:lnL w="12700" cap="flat" cmpd="sng" algn="ctr">
-                      <a:noFill/>
-                      <a:prstDash val="solid"/>
-                      <a:round/>
-                      <a:headEnd type="none" w="med" len="med"/>
-                      <a:tailEnd type="none" w="med" len="med"/>
-                    </a:lnL>
-                    <a:lnR w="12700" cap="flat" cmpd="sng" algn="ctr">
-                      <a:noFill/>
-                      <a:prstDash val="solid"/>
-                      <a:round/>
-                      <a:headEnd type="none" w="med" len="med"/>
-                      <a:tailEnd type="none" w="med" len="med"/>
-                    </a:lnR>
-                    <a:lnT w="12700" cap="flat" cmpd="sng" algn="ctr">
-                      <a:noFill/>
-                      <a:prstDash val="solid"/>
-                      <a:round/>
-                      <a:headEnd type="none" w="med" len="med"/>
-                      <a:tailEnd type="none" w="med" len="med"/>
-                    </a:lnT>
-                    <a:lnB w="12700" cap="flat" cmpd="sng" algn="ctr">
-                      <a:solidFill>
-                        <a:schemeClr val="tx1"/>
-                      </a:solidFill>
-                      <a:prstDash val="solid"/>
-                      <a:round/>
-                      <a:headEnd type="none" w="med" len="med"/>
-                      <a:tailEnd type="none" w="med" len="med"/>
-                    </a:lnB>
-                    <a:lnTlToBr w="12700" cmpd="sng">
-                      <a:noFill/>
-                      <a:prstDash val="solid"/>
-                    </a:lnTlToBr>
-                    <a:lnBlToTr w="12700" cmpd="sng">
-                      <a:noFill/>
-                      <a:prstDash val="solid"/>
-                    </a:lnBlToTr>
-                  </a:tcPr>
-                </a:tc>
-                <a:tc>
-                  <a:txBody>
-                    <a:bodyPr/>
-                    <a:lstStyle/>
-                    <a:p>
-                      <a:pPr algn="l"/>
-                      <a:r>
-                        <a:rPr lang="en-SG" sz="1200" kern="1200" dirty="0">
-                          <a:solidFill>
-                            <a:schemeClr val="tx1"/>
-                          </a:solidFill>
-                          <a:latin typeface="LM Sans 10" panose="00000500000000000000" pitchFamily="50" charset="0"/>
-                          <a:ea typeface="CMU Bright" panose="02000603000000000000" pitchFamily="50" charset="0"/>
-                          <a:cs typeface="CMU Bright" panose="02000603000000000000" pitchFamily="50" charset="0"/>
-                        </a:rPr>
-                        <a:t>Looks at each position and determines if there is a variant or not based on a model. Tends to be aggressive when calling indels to due priors</a:t>
-                      </a:r>
-                    </a:p>
-                  </a:txBody>
-                  <a:tcPr anchor="ctr">
-                    <a:lnL w="12700" cap="flat" cmpd="sng" algn="ctr">
-                      <a:noFill/>
-                      <a:prstDash val="solid"/>
-                      <a:round/>
-                      <a:headEnd type="none" w="med" len="med"/>
-                      <a:tailEnd type="none" w="med" len="med"/>
-                    </a:lnL>
-                    <a:lnR w="12700" cap="flat" cmpd="sng" algn="ctr">
-                      <a:noFill/>
-                      <a:prstDash val="solid"/>
-                      <a:round/>
-                      <a:headEnd type="none" w="med" len="med"/>
-                      <a:tailEnd type="none" w="med" len="med"/>
-                    </a:lnR>
-                    <a:lnT w="12700" cap="flat" cmpd="sng" algn="ctr">
-                      <a:noFill/>
-                      <a:prstDash val="solid"/>
-                      <a:round/>
-                      <a:headEnd type="none" w="med" len="med"/>
-                      <a:tailEnd type="none" w="med" len="med"/>
-                    </a:lnT>
-                    <a:lnB w="12700" cap="flat" cmpd="sng" algn="ctr">
-                      <a:solidFill>
-                        <a:schemeClr val="tx1"/>
-                      </a:solidFill>
-                      <a:prstDash val="solid"/>
-                      <a:round/>
-                      <a:headEnd type="none" w="med" len="med"/>
-                      <a:tailEnd type="none" w="med" len="med"/>
-                    </a:lnB>
-                    <a:lnTlToBr w="12700" cmpd="sng">
-                      <a:noFill/>
-                      <a:prstDash val="solid"/>
-                    </a:lnTlToBr>
-                    <a:lnBlToTr w="12700" cmpd="sng">
-                      <a:noFill/>
-                      <a:prstDash val="solid"/>
-                    </a:lnBlToTr>
-                  </a:tcPr>
-                </a:tc>
-                <a:tc>
-                  <a:txBody>
-                    <a:bodyPr/>
-                    <a:lstStyle/>
-                    <a:p>
-                      <a:pPr algn="l"/>
-                      <a:r>
-                        <a:rPr lang="en-SG" sz="1200" kern="1200" dirty="0">
-                          <a:solidFill>
-                            <a:schemeClr val="tx1"/>
-                          </a:solidFill>
-                          <a:latin typeface="LM Sans 10" panose="00000500000000000000" pitchFamily="50" charset="0"/>
-                          <a:ea typeface="CMU Bright" panose="02000603000000000000" pitchFamily="50" charset="0"/>
-                          <a:cs typeface="CMU Bright" panose="02000603000000000000" pitchFamily="50" charset="0"/>
-                        </a:rPr>
-                        <a:t>Shown in literature to be one of the best variant callers for predicting variants and indels in real datasets (</a:t>
-                      </a:r>
-                      <a:r>
-                        <a:rPr lang="en-GB" sz="1200" dirty="0">
-                          <a:latin typeface="LM Sans 10" panose="00000500000000000000" pitchFamily="50" charset="0"/>
-                          <a:ea typeface="CMU Bright" panose="02000603000000000000" pitchFamily="50" charset="0"/>
-                          <a:cs typeface="CMU Bright" panose="02000603000000000000" pitchFamily="50" charset="0"/>
-                        </a:rPr>
-                        <a:t>Sandmann et al., 2017; </a:t>
-                      </a:r>
-                      <a:r>
-                        <a:rPr lang="en-SG" sz="1200" kern="1200" dirty="0">
-                          <a:solidFill>
-                            <a:schemeClr val="tx1"/>
-                          </a:solidFill>
-                          <a:latin typeface="LM Sans 10" panose="00000500000000000000" pitchFamily="50" charset="0"/>
-                          <a:ea typeface="CMU Bright" panose="02000603000000000000" pitchFamily="50" charset="0"/>
-                          <a:cs typeface="CMU Bright" panose="02000603000000000000" pitchFamily="50" charset="0"/>
-                        </a:rPr>
-                        <a:t> Hwang et al., 2015)</a:t>
-                      </a:r>
-                    </a:p>
-                  </a:txBody>
-                  <a:tcPr anchor="ctr">
-                    <a:lnL w="12700" cap="flat" cmpd="sng" algn="ctr">
-                      <a:noFill/>
-                      <a:prstDash val="solid"/>
-                      <a:round/>
-                      <a:headEnd type="none" w="med" len="med"/>
-                      <a:tailEnd type="none" w="med" len="med"/>
-                    </a:lnL>
-                    <a:lnR w="12700" cap="flat" cmpd="sng" algn="ctr">
-                      <a:noFill/>
-                      <a:prstDash val="solid"/>
-                      <a:round/>
-                      <a:headEnd type="none" w="med" len="med"/>
-                      <a:tailEnd type="none" w="med" len="med"/>
-                    </a:lnR>
-                    <a:lnT w="12700" cap="flat" cmpd="sng" algn="ctr">
-                      <a:noFill/>
-                      <a:prstDash val="solid"/>
-                      <a:round/>
-                      <a:headEnd type="none" w="med" len="med"/>
-                      <a:tailEnd type="none" w="med" len="med"/>
-                    </a:lnT>
-                    <a:lnB w="12700" cap="flat" cmpd="sng" algn="ctr">
-                      <a:solidFill>
-                        <a:schemeClr val="tx1"/>
-                      </a:solidFill>
-                      <a:prstDash val="solid"/>
-                      <a:round/>
-                      <a:headEnd type="none" w="med" len="med"/>
-                      <a:tailEnd type="none" w="med" len="med"/>
-                    </a:lnB>
-                    <a:lnTlToBr w="12700" cmpd="sng">
-                      <a:noFill/>
-                      <a:prstDash val="solid"/>
-                    </a:lnTlToBr>
-                    <a:lnBlToTr w="12700" cmpd="sng">
-                      <a:noFill/>
-                      <a:prstDash val="solid"/>
-                    </a:lnBlToTr>
-                  </a:tcPr>
-                </a:tc>
-                <a:tc>
-                  <a:txBody>
-                    <a:bodyPr/>
-                    <a:lstStyle/>
-                    <a:p>
-                      <a:pPr algn="l"/>
-                      <a:r>
-                        <a:rPr lang="en-SG" sz="1200" kern="1200" dirty="0">
-                          <a:solidFill>
-                            <a:schemeClr val="tx1"/>
-                          </a:solidFill>
-                          <a:latin typeface="LM Sans 10" panose="00000500000000000000" pitchFamily="50" charset="0"/>
-                          <a:ea typeface="CMU Bright" panose="02000603000000000000" pitchFamily="50" charset="0"/>
-                          <a:cs typeface="CMU Bright" panose="02000603000000000000" pitchFamily="50" charset="0"/>
-                        </a:rPr>
-                        <a:t>Does not require precise alignment, unlike other callers</a:t>
-                      </a:r>
-                    </a:p>
-                  </a:txBody>
-                  <a:tcPr anchor="ctr">
-                    <a:lnL w="12700" cap="flat" cmpd="sng" algn="ctr">
-                      <a:noFill/>
-                      <a:prstDash val="solid"/>
-                      <a:round/>
-                      <a:headEnd type="none" w="med" len="med"/>
-                      <a:tailEnd type="none" w="med" len="med"/>
-                    </a:lnL>
-                    <a:lnR w="12700" cap="flat" cmpd="sng" algn="ctr">
-                      <a:noFill/>
-                      <a:prstDash val="solid"/>
-                      <a:round/>
-                      <a:headEnd type="none" w="med" len="med"/>
-                      <a:tailEnd type="none" w="med" len="med"/>
-                    </a:lnR>
-                    <a:lnT w="12700" cap="flat" cmpd="sng" algn="ctr">
-                      <a:noFill/>
-                      <a:prstDash val="solid"/>
-                      <a:round/>
-                      <a:headEnd type="none" w="med" len="med"/>
-                      <a:tailEnd type="none" w="med" len="med"/>
-                    </a:lnT>
-                    <a:lnB w="12700" cap="flat" cmpd="sng" algn="ctr">
-                      <a:solidFill>
-                        <a:schemeClr val="tx1"/>
-                      </a:solidFill>
-                      <a:prstDash val="solid"/>
-                      <a:round/>
-                      <a:headEnd type="none" w="med" len="med"/>
-                      <a:tailEnd type="none" w="med" len="med"/>
-                    </a:lnB>
-                    <a:lnTlToBr w="12700" cmpd="sng">
-                      <a:noFill/>
-                      <a:prstDash val="solid"/>
-                    </a:lnTlToBr>
-                    <a:lnBlToTr w="12700" cmpd="sng">
-                      <a:noFill/>
-                      <a:prstDash val="solid"/>
-                    </a:lnBlToTr>
-                  </a:tcPr>
-                </a:tc>
-                <a:tc>
-                  <a:txBody>
-                    <a:bodyPr/>
-                    <a:lstStyle/>
-                    <a:p>
-                      <a:pPr algn="l"/>
-                      <a:r>
-                        <a:rPr lang="en-SG" sz="1200" kern="1200" dirty="0">
-                          <a:solidFill>
-                            <a:schemeClr val="tx1"/>
-                          </a:solidFill>
-                          <a:latin typeface="LM Sans 10" panose="00000500000000000000" pitchFamily="50" charset="0"/>
-                          <a:ea typeface="CMU Bright" panose="02000603000000000000" pitchFamily="50" charset="0"/>
-                          <a:cs typeface="CMU Bright" panose="02000603000000000000" pitchFamily="50" charset="0"/>
-                        </a:rPr>
-                        <a:t>Does not assume sequencing errors are independent unlike Unified Genotyper, and has less hard filters. </a:t>
-                      </a:r>
-                    </a:p>
-                  </a:txBody>
-                  <a:tcPr anchor="ctr">
-                    <a:lnL w="12700" cap="flat" cmpd="sng" algn="ctr">
-                      <a:noFill/>
-                      <a:prstDash val="solid"/>
-                      <a:round/>
-                      <a:headEnd type="none" w="med" len="med"/>
-                      <a:tailEnd type="none" w="med" len="med"/>
-                    </a:lnL>
-                    <a:lnR w="12700" cap="flat" cmpd="sng" algn="ctr">
-                      <a:noFill/>
-                      <a:prstDash val="solid"/>
-                      <a:round/>
-                      <a:headEnd type="none" w="med" len="med"/>
-                      <a:tailEnd type="none" w="med" len="med"/>
-                    </a:lnR>
-                    <a:lnT w="12700" cap="flat" cmpd="sng" algn="ctr">
-                      <a:noFill/>
-                      <a:prstDash val="solid"/>
-                      <a:round/>
-                      <a:headEnd type="none" w="med" len="med"/>
-                      <a:tailEnd type="none" w="med" len="med"/>
-                    </a:lnT>
-                    <a:lnB w="12700" cap="flat" cmpd="sng" algn="ctr">
-                      <a:solidFill>
-                        <a:schemeClr val="tx1"/>
-                      </a:solidFill>
-                      <a:prstDash val="solid"/>
-                      <a:round/>
-                      <a:headEnd type="none" w="med" len="med"/>
-                      <a:tailEnd type="none" w="med" len="med"/>
-                    </a:lnB>
-                    <a:lnTlToBr w="12700" cmpd="sng">
-                      <a:noFill/>
-                      <a:prstDash val="solid"/>
-                    </a:lnTlToBr>
-                    <a:lnBlToTr w="12700" cmpd="sng">
-                      <a:noFill/>
-                      <a:prstDash val="solid"/>
-                    </a:lnBlToTr>
-                  </a:tcPr>
-                </a:tc>
-                <a:tc>
-                  <a:txBody>
-                    <a:bodyPr/>
-                    <a:lstStyle/>
-                    <a:p>
-                      <a:pPr algn="l"/>
-                      <a:r>
-                        <a:rPr lang="en-SG" sz="1200" kern="1200" dirty="0">
-                          <a:solidFill>
-                            <a:schemeClr val="tx1"/>
-                          </a:solidFill>
-                          <a:latin typeface="LM Sans 10" panose="00000500000000000000" pitchFamily="50" charset="0"/>
-                          <a:ea typeface="CMU Bright" panose="02000603000000000000" pitchFamily="50" charset="0"/>
-                          <a:cs typeface="CMU Bright" panose="02000603000000000000" pitchFamily="50" charset="0"/>
-                        </a:rPr>
-                        <a:t>Known to be able to identify medium length indels due to pattern growth method</a:t>
-                      </a:r>
-                    </a:p>
-                  </a:txBody>
-                  <a:tcPr anchor="ctr">
-                    <a:lnL w="12700" cap="flat" cmpd="sng" algn="ctr">
-                      <a:noFill/>
-                      <a:prstDash val="solid"/>
-                      <a:round/>
-                      <a:headEnd type="none" w="med" len="med"/>
-                      <a:tailEnd type="none" w="med" len="med"/>
-                    </a:lnL>
-                    <a:lnR w="12700" cap="flat" cmpd="sng" algn="ctr">
-                      <a:noFill/>
-                      <a:prstDash val="solid"/>
-                      <a:round/>
-                      <a:headEnd type="none" w="med" len="med"/>
-                      <a:tailEnd type="none" w="med" len="med"/>
-                    </a:lnR>
-                    <a:lnT w="12700" cap="flat" cmpd="sng" algn="ctr">
-                      <a:noFill/>
-                      <a:prstDash val="solid"/>
-                      <a:round/>
-                      <a:headEnd type="none" w="med" len="med"/>
-                      <a:tailEnd type="none" w="med" len="med"/>
-                    </a:lnT>
-                    <a:lnB w="12700" cap="flat" cmpd="sng" algn="ctr">
-                      <a:solidFill>
-                        <a:schemeClr val="tx1"/>
-                      </a:solidFill>
-                      <a:prstDash val="solid"/>
-                      <a:round/>
-                      <a:headEnd type="none" w="med" len="med"/>
-                      <a:tailEnd type="none" w="med" len="med"/>
-                    </a:lnB>
-                    <a:lnTlToBr w="12700" cmpd="sng">
-                      <a:noFill/>
-                      <a:prstDash val="solid"/>
-                    </a:lnTlToBr>
-                    <a:lnBlToTr w="12700" cmpd="sng">
-                      <a:noFill/>
-                      <a:prstDash val="solid"/>
-                    </a:lnBlToTr>
-                  </a:tcPr>
-                </a:tc>
-                <a:extLst>
-                  <a:ext uri="{0D108BD9-81ED-4DB2-BD59-A6C34878D82A}">
-                    <a16:rowId xmlns:a16="http://schemas.microsoft.com/office/drawing/2014/main" val="631864131"/>
                   </a:ext>
                 </a:extLst>
               </a:tr>
